--- a/L4_5 - Group 1/Group 1 Presentation.pptx
+++ b/L4_5 - Group 1/Group 1 Presentation.pptx
@@ -13,8 +13,9 @@
     <p:sldId id="263" r:id="rId7"/>
     <p:sldId id="264" r:id="rId8"/>
     <p:sldId id="260" r:id="rId9"/>
-    <p:sldId id="265" r:id="rId10"/>
-    <p:sldId id="261" r:id="rId11"/>
+    <p:sldId id="266" r:id="rId10"/>
+    <p:sldId id="265" r:id="rId11"/>
+    <p:sldId id="261" r:id="rId12"/>
   </p:sldIdLst>
   <p:sldSz cx="12192000" cy="6858000"/>
   <p:notesSz cx="6858000" cy="9144000"/>
@@ -3094,6 +3095,137 @@
             <p:ph type="title"/>
           </p:nvPr>
         </p:nvSpPr>
+        <p:spPr/>
+        <p:txBody>
+          <a:bodyPr/>
+          <a:lstStyle/>
+          <a:p>
+            <a:pPr algn="ctr"/>
+            <a:r>
+              <a:rPr lang="en-GB" dirty="0">
+                <a:latin typeface="Arial" panose="020B0604020202020204" pitchFamily="34" charset="0"/>
+                <a:cs typeface="Arial" panose="020B0604020202020204" pitchFamily="34" charset="0"/>
+              </a:rPr>
+              <a:t>What next?</a:t>
+            </a:r>
+          </a:p>
+        </p:txBody>
+      </p:sp>
+      <p:sp>
+        <p:nvSpPr>
+          <p:cNvPr id="3" name="Content Placeholder 2"/>
+          <p:cNvSpPr>
+            <a:spLocks noGrp="1"/>
+          </p:cNvSpPr>
+          <p:nvPr>
+            <p:ph idx="1"/>
+          </p:nvPr>
+        </p:nvSpPr>
+        <p:spPr/>
+        <p:txBody>
+          <a:bodyPr>
+            <a:normAutofit/>
+          </a:bodyPr>
+          <a:lstStyle/>
+          <a:p>
+            <a:r>
+              <a:rPr lang="en-GB" sz="3200" dirty="0">
+                <a:latin typeface="Arial" panose="020B0604020202020204" pitchFamily="34" charset="0"/>
+                <a:cs typeface="Arial" panose="020B0604020202020204" pitchFamily="34" charset="0"/>
+              </a:rPr>
+              <a:t>Rough prototype containing the core triggers</a:t>
+            </a:r>
+          </a:p>
+          <a:p>
+            <a:r>
+              <a:rPr lang="en-GB" sz="3200" dirty="0">
+                <a:latin typeface="Arial" panose="020B0604020202020204" pitchFamily="34" charset="0"/>
+                <a:cs typeface="Arial" panose="020B0604020202020204" pitchFamily="34" charset="0"/>
+              </a:rPr>
+              <a:t>Visual, Art Assets, Concepts and Final Designs</a:t>
+            </a:r>
+          </a:p>
+          <a:p>
+            <a:r>
+              <a:rPr lang="en-GB" sz="3200" dirty="0">
+                <a:latin typeface="Arial" panose="020B0604020202020204" pitchFamily="34" charset="0"/>
+                <a:cs typeface="Arial" panose="020B0604020202020204" pitchFamily="34" charset="0"/>
+              </a:rPr>
+              <a:t>Puzzle Mechanics</a:t>
+            </a:r>
+          </a:p>
+          <a:p>
+            <a:pPr lvl="1"/>
+            <a:r>
+              <a:rPr lang="en-GB" sz="3200" dirty="0">
+                <a:latin typeface="Arial" panose="020B0604020202020204" pitchFamily="34" charset="0"/>
+                <a:cs typeface="Arial" panose="020B0604020202020204" pitchFamily="34" charset="0"/>
+              </a:rPr>
+              <a:t>Balance difficulty with our target audience</a:t>
+            </a:r>
+          </a:p>
+          <a:p>
+            <a:pPr lvl="1"/>
+            <a:r>
+              <a:rPr lang="en-GB" sz="3200" dirty="0">
+                <a:latin typeface="Arial" panose="020B0604020202020204" pitchFamily="34" charset="0"/>
+                <a:cs typeface="Arial" panose="020B0604020202020204" pitchFamily="34" charset="0"/>
+              </a:rPr>
+              <a:t>Playtesting</a:t>
+            </a:r>
+          </a:p>
+          <a:p>
+            <a:pPr lvl="1"/>
+            <a:r>
+              <a:rPr lang="en-GB" sz="3200" dirty="0">
+                <a:latin typeface="Arial" panose="020B0604020202020204" pitchFamily="34" charset="0"/>
+                <a:cs typeface="Arial" panose="020B0604020202020204" pitchFamily="34" charset="0"/>
+              </a:rPr>
+              <a:t>Iterating</a:t>
+            </a:r>
+          </a:p>
+        </p:txBody>
+      </p:sp>
+    </p:spTree>
+    <p:extLst>
+      <p:ext uri="{BB962C8B-B14F-4D97-AF65-F5344CB8AC3E}">
+        <p14:creationId xmlns:p14="http://schemas.microsoft.com/office/powerpoint/2010/main" val="3365627323"/>
+      </p:ext>
+    </p:extLst>
+  </p:cSld>
+  <p:clrMapOvr>
+    <a:masterClrMapping/>
+  </p:clrMapOvr>
+</p:sld>
+</file>
+
+<file path=ppt/slides/slide11.xml><?xml version="1.0" encoding="utf-8"?>
+<p:sld xmlns:a="http://schemas.openxmlformats.org/drawingml/2006/main" xmlns:r="http://schemas.openxmlformats.org/officeDocument/2006/relationships" xmlns:p="http://schemas.openxmlformats.org/presentationml/2006/main">
+  <p:cSld>
+    <p:spTree>
+      <p:nvGrpSpPr>
+        <p:cNvPr id="1" name=""/>
+        <p:cNvGrpSpPr/>
+        <p:nvPr/>
+      </p:nvGrpSpPr>
+      <p:grpSpPr>
+        <a:xfrm>
+          <a:off x="0" y="0"/>
+          <a:ext cx="0" cy="0"/>
+          <a:chOff x="0" y="0"/>
+          <a:chExt cx="0" cy="0"/>
+        </a:xfrm>
+      </p:grpSpPr>
+      <p:sp>
+        <p:nvSpPr>
+          <p:cNvPr id="2" name="Title 1"/>
+          <p:cNvSpPr>
+            <a:spLocks noGrp="1"/>
+          </p:cNvSpPr>
+          <p:nvPr>
+            <p:ph type="title"/>
+          </p:nvPr>
+        </p:nvSpPr>
         <p:spPr>
           <a:xfrm>
             <a:off x="-1" y="0"/>
@@ -4023,11 +4155,41 @@
                 <a:latin typeface="Arial" panose="020B0604020202020204" pitchFamily="34" charset="0"/>
                 <a:cs typeface="Arial" panose="020B0604020202020204" pitchFamily="34" charset="0"/>
               </a:rPr>
-              <a:t>Theme and Atmosphere</a:t>
-            </a:r>
-          </a:p>
-        </p:txBody>
-      </p:sp>
+              <a:t>Interior</a:t>
+            </a:r>
+          </a:p>
+        </p:txBody>
+      </p:sp>
+      <p:pic>
+        <p:nvPicPr>
+          <p:cNvPr id="3" name="Picture 2"/>
+          <p:cNvPicPr>
+            <a:picLocks noChangeAspect="1"/>
+          </p:cNvPicPr>
+          <p:nvPr/>
+        </p:nvPicPr>
+        <p:blipFill>
+          <a:blip r:embed="rId2">
+            <a:extLst>
+              <a:ext uri="{28A0092B-C50C-407E-A947-70E740481C1C}">
+                <a14:useLocalDpi xmlns:a14="http://schemas.microsoft.com/office/drawing/2010/main" val="0"/>
+              </a:ext>
+            </a:extLst>
+          </a:blip>
+          <a:stretch>
+            <a:fillRect/>
+          </a:stretch>
+        </p:blipFill>
+        <p:spPr>
+          <a:xfrm>
+            <a:off x="643689" y="1487919"/>
+            <a:ext cx="10904621" cy="5125940"/>
+          </a:xfrm>
+          <a:prstGeom prst="rect">
+            <a:avLst/>
+          </a:prstGeom>
+        </p:spPr>
+      </p:pic>
     </p:spTree>
     <p:extLst>
       <p:ext uri="{BB962C8B-B14F-4D97-AF65-F5344CB8AC3E}">
@@ -4070,99 +4232,56 @@
         </p:nvSpPr>
         <p:spPr/>
         <p:txBody>
-          <a:bodyPr/>
+          <a:bodyPr>
+            <a:normAutofit/>
+          </a:bodyPr>
           <a:lstStyle/>
           <a:p>
             <a:pPr algn="ctr"/>
             <a:r>
-              <a:rPr lang="en-GB" dirty="0">
+              <a:rPr lang="en-GB" sz="6000" dirty="0">
                 <a:latin typeface="Arial" panose="020B0604020202020204" pitchFamily="34" charset="0"/>
                 <a:cs typeface="Arial" panose="020B0604020202020204" pitchFamily="34" charset="0"/>
               </a:rPr>
-              <a:t>What next?</a:t>
-            </a:r>
-          </a:p>
-        </p:txBody>
-      </p:sp>
-      <p:sp>
-        <p:nvSpPr>
-          <p:cNvPr id="3" name="Content Placeholder 2"/>
-          <p:cNvSpPr>
-            <a:spLocks noGrp="1"/>
-          </p:cNvSpPr>
-          <p:nvPr>
-            <p:ph idx="1"/>
-          </p:nvPr>
-        </p:nvSpPr>
-        <p:spPr/>
-        <p:txBody>
-          <a:bodyPr>
-            <a:normAutofit/>
-          </a:bodyPr>
-          <a:lstStyle/>
-          <a:p>
-            <a:r>
-              <a:rPr lang="en-GB" sz="3200" dirty="0">
-                <a:latin typeface="Arial" panose="020B0604020202020204" pitchFamily="34" charset="0"/>
-                <a:cs typeface="Arial" panose="020B0604020202020204" pitchFamily="34" charset="0"/>
-              </a:rPr>
-              <a:t>Rough prototype containing the core triggers</a:t>
-            </a:r>
-          </a:p>
-          <a:p>
-            <a:r>
-              <a:rPr lang="en-GB" sz="3200" dirty="0">
-                <a:latin typeface="Arial" panose="020B0604020202020204" pitchFamily="34" charset="0"/>
-                <a:cs typeface="Arial" panose="020B0604020202020204" pitchFamily="34" charset="0"/>
-              </a:rPr>
-              <a:t>Visual, Art Assets, Concepts and Final Designs</a:t>
-            </a:r>
-          </a:p>
-          <a:p>
-            <a:r>
-              <a:rPr lang="en-GB" sz="3200" dirty="0">
-                <a:latin typeface="Arial" panose="020B0604020202020204" pitchFamily="34" charset="0"/>
-                <a:cs typeface="Arial" panose="020B0604020202020204" pitchFamily="34" charset="0"/>
-              </a:rPr>
-              <a:t>Puzzle Mechanics</a:t>
-            </a:r>
-          </a:p>
-          <a:p>
-            <a:pPr lvl="1"/>
-            <a:r>
-              <a:rPr lang="en-GB" sz="3200" dirty="0">
-                <a:latin typeface="Arial" panose="020B0604020202020204" pitchFamily="34" charset="0"/>
-                <a:cs typeface="Arial" panose="020B0604020202020204" pitchFamily="34" charset="0"/>
-              </a:rPr>
-              <a:t>Balance difficulty with our target audience</a:t>
-            </a:r>
-          </a:p>
-          <a:p>
-            <a:pPr lvl="1"/>
-            <a:r>
-              <a:rPr lang="en-GB" sz="3200" dirty="0">
-                <a:latin typeface="Arial" panose="020B0604020202020204" pitchFamily="34" charset="0"/>
-                <a:cs typeface="Arial" panose="020B0604020202020204" pitchFamily="34" charset="0"/>
-              </a:rPr>
-              <a:t>Playtesting</a:t>
-            </a:r>
-          </a:p>
-          <a:p>
-            <a:pPr lvl="1"/>
-            <a:r>
-              <a:rPr lang="en-GB" sz="3200" dirty="0">
-                <a:latin typeface="Arial" panose="020B0604020202020204" pitchFamily="34" charset="0"/>
-                <a:cs typeface="Arial" panose="020B0604020202020204" pitchFamily="34" charset="0"/>
-              </a:rPr>
-              <a:t>Iterating</a:t>
-            </a:r>
-          </a:p>
-        </p:txBody>
-      </p:sp>
+              <a:t>Outer Environment</a:t>
+            </a:r>
+          </a:p>
+        </p:txBody>
+      </p:sp>
+      <p:pic>
+        <p:nvPicPr>
+          <p:cNvPr id="3" name="Picture 2"/>
+          <p:cNvPicPr>
+            <a:picLocks noChangeAspect="1"/>
+          </p:cNvPicPr>
+          <p:nvPr/>
+        </p:nvPicPr>
+        <p:blipFill>
+          <a:blip r:embed="rId2">
+            <a:extLst>
+              <a:ext uri="{28A0092B-C50C-407E-A947-70E740481C1C}">
+                <a14:useLocalDpi xmlns:a14="http://schemas.microsoft.com/office/drawing/2010/main" val="0"/>
+              </a:ext>
+            </a:extLst>
+          </a:blip>
+          <a:stretch>
+            <a:fillRect/>
+          </a:stretch>
+        </p:blipFill>
+        <p:spPr>
+          <a:xfrm>
+            <a:off x="3516569" y="1690688"/>
+            <a:ext cx="5158862" cy="4922836"/>
+          </a:xfrm>
+          <a:prstGeom prst="rect">
+            <a:avLst/>
+          </a:prstGeom>
+        </p:spPr>
+      </p:pic>
     </p:spTree>
     <p:extLst>
       <p:ext uri="{BB962C8B-B14F-4D97-AF65-F5344CB8AC3E}">
-        <p14:creationId xmlns:p14="http://schemas.microsoft.com/office/powerpoint/2010/main" val="3365627323"/>
+        <p14:creationId xmlns:p14="http://schemas.microsoft.com/office/powerpoint/2010/main" val="1247649269"/>
       </p:ext>
     </p:extLst>
   </p:cSld>

--- a/L4_5 - Group 1/Group 1 Presentation.pptx
+++ b/L4_5 - Group 1/Group 1 Presentation.pptx
@@ -14,8 +14,9 @@
     <p:sldId id="264" r:id="rId8"/>
     <p:sldId id="260" r:id="rId9"/>
     <p:sldId id="266" r:id="rId10"/>
-    <p:sldId id="265" r:id="rId11"/>
-    <p:sldId id="261" r:id="rId12"/>
+    <p:sldId id="267" r:id="rId11"/>
+    <p:sldId id="265" r:id="rId12"/>
+    <p:sldId id="261" r:id="rId13"/>
   </p:sldIdLst>
   <p:sldSz cx="12192000" cy="6858000"/>
   <p:notesSz cx="6858000" cy="9144000"/>
@@ -253,7 +254,7 @@
           <a:p>
             <a:fld id="{7D20D1B2-82D3-4D20-8DBC-939F9059AC75}" type="datetimeFigureOut">
               <a:rPr lang="en-GB" smtClean="0"/>
-              <a:t>18/10/2016</a:t>
+              <a:t>19/10/2016</a:t>
             </a:fld>
             <a:endParaRPr lang="en-GB"/>
           </a:p>
@@ -423,7 +424,7 @@
           <a:p>
             <a:fld id="{7D20D1B2-82D3-4D20-8DBC-939F9059AC75}" type="datetimeFigureOut">
               <a:rPr lang="en-GB" smtClean="0"/>
-              <a:t>18/10/2016</a:t>
+              <a:t>19/10/2016</a:t>
             </a:fld>
             <a:endParaRPr lang="en-GB"/>
           </a:p>
@@ -603,7 +604,7 @@
           <a:p>
             <a:fld id="{7D20D1B2-82D3-4D20-8DBC-939F9059AC75}" type="datetimeFigureOut">
               <a:rPr lang="en-GB" smtClean="0"/>
-              <a:t>18/10/2016</a:t>
+              <a:t>19/10/2016</a:t>
             </a:fld>
             <a:endParaRPr lang="en-GB"/>
           </a:p>
@@ -773,7 +774,7 @@
           <a:p>
             <a:fld id="{7D20D1B2-82D3-4D20-8DBC-939F9059AC75}" type="datetimeFigureOut">
               <a:rPr lang="en-GB" smtClean="0"/>
-              <a:t>18/10/2016</a:t>
+              <a:t>19/10/2016</a:t>
             </a:fld>
             <a:endParaRPr lang="en-GB"/>
           </a:p>
@@ -1019,7 +1020,7 @@
           <a:p>
             <a:fld id="{7D20D1B2-82D3-4D20-8DBC-939F9059AC75}" type="datetimeFigureOut">
               <a:rPr lang="en-GB" smtClean="0"/>
-              <a:t>18/10/2016</a:t>
+              <a:t>19/10/2016</a:t>
             </a:fld>
             <a:endParaRPr lang="en-GB"/>
           </a:p>
@@ -1251,7 +1252,7 @@
           <a:p>
             <a:fld id="{7D20D1B2-82D3-4D20-8DBC-939F9059AC75}" type="datetimeFigureOut">
               <a:rPr lang="en-GB" smtClean="0"/>
-              <a:t>18/10/2016</a:t>
+              <a:t>19/10/2016</a:t>
             </a:fld>
             <a:endParaRPr lang="en-GB"/>
           </a:p>
@@ -1618,7 +1619,7 @@
           <a:p>
             <a:fld id="{7D20D1B2-82D3-4D20-8DBC-939F9059AC75}" type="datetimeFigureOut">
               <a:rPr lang="en-GB" smtClean="0"/>
-              <a:t>18/10/2016</a:t>
+              <a:t>19/10/2016</a:t>
             </a:fld>
             <a:endParaRPr lang="en-GB"/>
           </a:p>
@@ -1736,7 +1737,7 @@
           <a:p>
             <a:fld id="{7D20D1B2-82D3-4D20-8DBC-939F9059AC75}" type="datetimeFigureOut">
               <a:rPr lang="en-GB" smtClean="0"/>
-              <a:t>18/10/2016</a:t>
+              <a:t>19/10/2016</a:t>
             </a:fld>
             <a:endParaRPr lang="en-GB"/>
           </a:p>
@@ -1831,7 +1832,7 @@
           <a:p>
             <a:fld id="{7D20D1B2-82D3-4D20-8DBC-939F9059AC75}" type="datetimeFigureOut">
               <a:rPr lang="en-GB" smtClean="0"/>
-              <a:t>18/10/2016</a:t>
+              <a:t>19/10/2016</a:t>
             </a:fld>
             <a:endParaRPr lang="en-GB"/>
           </a:p>
@@ -2108,7 +2109,7 @@
           <a:p>
             <a:fld id="{7D20D1B2-82D3-4D20-8DBC-939F9059AC75}" type="datetimeFigureOut">
               <a:rPr lang="en-GB" smtClean="0"/>
-              <a:t>18/10/2016</a:t>
+              <a:t>19/10/2016</a:t>
             </a:fld>
             <a:endParaRPr lang="en-GB"/>
           </a:p>
@@ -2361,7 +2362,7 @@
           <a:p>
             <a:fld id="{7D20D1B2-82D3-4D20-8DBC-939F9059AC75}" type="datetimeFigureOut">
               <a:rPr lang="en-GB" smtClean="0"/>
-              <a:t>18/10/2016</a:t>
+              <a:t>19/10/2016</a:t>
             </a:fld>
             <a:endParaRPr lang="en-GB"/>
           </a:p>
@@ -2574,7 +2575,7 @@
           <a:p>
             <a:fld id="{7D20D1B2-82D3-4D20-8DBC-939F9059AC75}" type="datetimeFigureOut">
               <a:rPr lang="en-GB" smtClean="0"/>
-              <a:t>18/10/2016</a:t>
+              <a:t>19/10/2016</a:t>
             </a:fld>
             <a:endParaRPr lang="en-GB"/>
           </a:p>
@@ -3106,6 +3107,119 @@
                 <a:latin typeface="Arial" panose="020B0604020202020204" pitchFamily="34" charset="0"/>
                 <a:cs typeface="Arial" panose="020B0604020202020204" pitchFamily="34" charset="0"/>
               </a:rPr>
+              <a:t>Group Management	</a:t>
+            </a:r>
+          </a:p>
+        </p:txBody>
+      </p:sp>
+      <p:sp>
+        <p:nvSpPr>
+          <p:cNvPr id="3" name="Content Placeholder 2"/>
+          <p:cNvSpPr>
+            <a:spLocks noGrp="1"/>
+          </p:cNvSpPr>
+          <p:nvPr>
+            <p:ph idx="1"/>
+          </p:nvPr>
+        </p:nvSpPr>
+        <p:spPr/>
+        <p:txBody>
+          <a:bodyPr/>
+          <a:lstStyle/>
+          <a:p>
+            <a:r>
+              <a:rPr lang="en-GB" dirty="0"/>
+              <a:t>Exchanged about 30 emails a week</a:t>
+            </a:r>
+          </a:p>
+          <a:p>
+            <a:endParaRPr lang="en-GB" dirty="0"/>
+          </a:p>
+          <a:p>
+            <a:r>
+              <a:rPr lang="en-GB" dirty="0"/>
+              <a:t>Arranged 2 meetings where all members have attended</a:t>
+            </a:r>
+          </a:p>
+          <a:p>
+            <a:endParaRPr lang="en-GB" dirty="0"/>
+          </a:p>
+          <a:p>
+            <a:r>
+              <a:rPr lang="en-GB" dirty="0"/>
+              <a:t>Tasks this week consisted of around 2-3 hours of work each</a:t>
+            </a:r>
+          </a:p>
+          <a:p>
+            <a:endParaRPr lang="en-GB" dirty="0"/>
+          </a:p>
+          <a:p>
+            <a:r>
+              <a:rPr lang="en-GB" dirty="0"/>
+              <a:t>Additional hour for </a:t>
+            </a:r>
+            <a:r>
+              <a:rPr lang="en-GB"/>
+              <a:t>Project Managers</a:t>
+            </a:r>
+            <a:endParaRPr lang="en-GB" dirty="0"/>
+          </a:p>
+          <a:p>
+            <a:endParaRPr lang="en-GB" dirty="0"/>
+          </a:p>
+        </p:txBody>
+      </p:sp>
+    </p:spTree>
+    <p:extLst>
+      <p:ext uri="{BB962C8B-B14F-4D97-AF65-F5344CB8AC3E}">
+        <p14:creationId xmlns:p14="http://schemas.microsoft.com/office/powerpoint/2010/main" val="3936728514"/>
+      </p:ext>
+    </p:extLst>
+  </p:cSld>
+  <p:clrMapOvr>
+    <a:masterClrMapping/>
+  </p:clrMapOvr>
+</p:sld>
+</file>
+
+<file path=ppt/slides/slide11.xml><?xml version="1.0" encoding="utf-8"?>
+<p:sld xmlns:a="http://schemas.openxmlformats.org/drawingml/2006/main" xmlns:r="http://schemas.openxmlformats.org/officeDocument/2006/relationships" xmlns:p="http://schemas.openxmlformats.org/presentationml/2006/main">
+  <p:cSld>
+    <p:spTree>
+      <p:nvGrpSpPr>
+        <p:cNvPr id="1" name=""/>
+        <p:cNvGrpSpPr/>
+        <p:nvPr/>
+      </p:nvGrpSpPr>
+      <p:grpSpPr>
+        <a:xfrm>
+          <a:off x="0" y="0"/>
+          <a:ext cx="0" cy="0"/>
+          <a:chOff x="0" y="0"/>
+          <a:chExt cx="0" cy="0"/>
+        </a:xfrm>
+      </p:grpSpPr>
+      <p:sp>
+        <p:nvSpPr>
+          <p:cNvPr id="2" name="Title 1"/>
+          <p:cNvSpPr>
+            <a:spLocks noGrp="1"/>
+          </p:cNvSpPr>
+          <p:nvPr>
+            <p:ph type="title"/>
+          </p:nvPr>
+        </p:nvSpPr>
+        <p:spPr/>
+        <p:txBody>
+          <a:bodyPr/>
+          <a:lstStyle/>
+          <a:p>
+            <a:pPr algn="ctr"/>
+            <a:r>
+              <a:rPr lang="en-GB" dirty="0">
+                <a:latin typeface="Arial" panose="020B0604020202020204" pitchFamily="34" charset="0"/>
+                <a:cs typeface="Arial" panose="020B0604020202020204" pitchFamily="34" charset="0"/>
+              </a:rPr>
               <a:t>What next?</a:t>
             </a:r>
           </a:p>
@@ -3199,7 +3313,7 @@
 </p:sld>
 </file>
 
-<file path=ppt/slides/slide11.xml><?xml version="1.0" encoding="utf-8"?>
+<file path=ppt/slides/slide12.xml><?xml version="1.0" encoding="utf-8"?>
 <p:sld xmlns:a="http://schemas.openxmlformats.org/drawingml/2006/main" xmlns:r="http://schemas.openxmlformats.org/officeDocument/2006/relationships" xmlns:p="http://schemas.openxmlformats.org/presentationml/2006/main">
   <p:cSld>
     <p:spTree>
